--- a/Lisence_Format.pptx
+++ b/Lisence_Format.pptx
@@ -111,6 +111,11 @@
       </a:defRPr>
     </a:lvl9pPr>
   </p:defaultTextStyle>
+  <p:extLst>
+    <p:ext uri="{EFAFB233-063F-42B5-8137-9DF3F51BA10A}">
+      <p15:sldGuideLst xmlns:p15="http://schemas.microsoft.com/office/powerpoint/2012/main"/>
+    </p:ext>
+  </p:extLst>
 </p:presentation>
 </file>
 
@@ -261,7 +266,7 @@
           <a:p>
             <a:fld id="{D5443D08-28CA-4DEA-9375-DBB6EA27C38E}" type="datetimeFigureOut">
               <a:rPr lang="ko-KR" altLang="en-US" smtClean="0"/>
-              <a:t>2018-11-13</a:t>
+              <a:t>2018-11-16</a:t>
             </a:fld>
             <a:endParaRPr lang="ko-KR" altLang="en-US"/>
           </a:p>
@@ -459,7 +464,7 @@
           <a:p>
             <a:fld id="{D5443D08-28CA-4DEA-9375-DBB6EA27C38E}" type="datetimeFigureOut">
               <a:rPr lang="ko-KR" altLang="en-US" smtClean="0"/>
-              <a:t>2018-11-13</a:t>
+              <a:t>2018-11-16</a:t>
             </a:fld>
             <a:endParaRPr lang="ko-KR" altLang="en-US"/>
           </a:p>
@@ -667,7 +672,7 @@
           <a:p>
             <a:fld id="{D5443D08-28CA-4DEA-9375-DBB6EA27C38E}" type="datetimeFigureOut">
               <a:rPr lang="ko-KR" altLang="en-US" smtClean="0"/>
-              <a:t>2018-11-13</a:t>
+              <a:t>2018-11-16</a:t>
             </a:fld>
             <a:endParaRPr lang="ko-KR" altLang="en-US"/>
           </a:p>
@@ -865,7 +870,7 @@
           <a:p>
             <a:fld id="{D5443D08-28CA-4DEA-9375-DBB6EA27C38E}" type="datetimeFigureOut">
               <a:rPr lang="ko-KR" altLang="en-US" smtClean="0"/>
-              <a:t>2018-11-13</a:t>
+              <a:t>2018-11-16</a:t>
             </a:fld>
             <a:endParaRPr lang="ko-KR" altLang="en-US"/>
           </a:p>
@@ -1140,7 +1145,7 @@
           <a:p>
             <a:fld id="{D5443D08-28CA-4DEA-9375-DBB6EA27C38E}" type="datetimeFigureOut">
               <a:rPr lang="ko-KR" altLang="en-US" smtClean="0"/>
-              <a:t>2018-11-13</a:t>
+              <a:t>2018-11-16</a:t>
             </a:fld>
             <a:endParaRPr lang="ko-KR" altLang="en-US"/>
           </a:p>
@@ -1405,7 +1410,7 @@
           <a:p>
             <a:fld id="{D5443D08-28CA-4DEA-9375-DBB6EA27C38E}" type="datetimeFigureOut">
               <a:rPr lang="ko-KR" altLang="en-US" smtClean="0"/>
-              <a:t>2018-11-13</a:t>
+              <a:t>2018-11-16</a:t>
             </a:fld>
             <a:endParaRPr lang="ko-KR" altLang="en-US"/>
           </a:p>
@@ -1817,7 +1822,7 @@
           <a:p>
             <a:fld id="{D5443D08-28CA-4DEA-9375-DBB6EA27C38E}" type="datetimeFigureOut">
               <a:rPr lang="ko-KR" altLang="en-US" smtClean="0"/>
-              <a:t>2018-11-13</a:t>
+              <a:t>2018-11-16</a:t>
             </a:fld>
             <a:endParaRPr lang="ko-KR" altLang="en-US"/>
           </a:p>
@@ -1958,7 +1963,7 @@
           <a:p>
             <a:fld id="{D5443D08-28CA-4DEA-9375-DBB6EA27C38E}" type="datetimeFigureOut">
               <a:rPr lang="ko-KR" altLang="en-US" smtClean="0"/>
-              <a:t>2018-11-13</a:t>
+              <a:t>2018-11-16</a:t>
             </a:fld>
             <a:endParaRPr lang="ko-KR" altLang="en-US"/>
           </a:p>
@@ -2071,7 +2076,7 @@
           <a:p>
             <a:fld id="{D5443D08-28CA-4DEA-9375-DBB6EA27C38E}" type="datetimeFigureOut">
               <a:rPr lang="ko-KR" altLang="en-US" smtClean="0"/>
-              <a:t>2018-11-13</a:t>
+              <a:t>2018-11-16</a:t>
             </a:fld>
             <a:endParaRPr lang="ko-KR" altLang="en-US"/>
           </a:p>
@@ -2382,7 +2387,7 @@
           <a:p>
             <a:fld id="{D5443D08-28CA-4DEA-9375-DBB6EA27C38E}" type="datetimeFigureOut">
               <a:rPr lang="ko-KR" altLang="en-US" smtClean="0"/>
-              <a:t>2018-11-13</a:t>
+              <a:t>2018-11-16</a:t>
             </a:fld>
             <a:endParaRPr lang="ko-KR" altLang="en-US"/>
           </a:p>
@@ -2670,7 +2675,7 @@
           <a:p>
             <a:fld id="{D5443D08-28CA-4DEA-9375-DBB6EA27C38E}" type="datetimeFigureOut">
               <a:rPr lang="ko-KR" altLang="en-US" smtClean="0"/>
-              <a:t>2018-11-13</a:t>
+              <a:t>2018-11-16</a:t>
             </a:fld>
             <a:endParaRPr lang="ko-KR" altLang="en-US"/>
           </a:p>
@@ -2911,7 +2916,7 @@
           <a:p>
             <a:fld id="{D5443D08-28CA-4DEA-9375-DBB6EA27C38E}" type="datetimeFigureOut">
               <a:rPr lang="ko-KR" altLang="en-US" smtClean="0"/>
-              <a:t>2018-11-13</a:t>
+              <a:t>2018-11-16</a:t>
             </a:fld>
             <a:endParaRPr lang="ko-KR" altLang="en-US"/>
           </a:p>
@@ -3424,7 +3429,7 @@
             </a:br>
             <a:r>
               <a:rPr lang="en-US" altLang="ko-KR" dirty="0"/>
-              <a:t>After 2006</a:t>
+              <a:t>After 2006 -1</a:t>
             </a:r>
             <a:endParaRPr lang="ko-KR" altLang="en-US" dirty="0"/>
           </a:p>
@@ -3432,10 +3437,10 @@
       </p:sp>
       <p:pic>
         <p:nvPicPr>
-          <p:cNvPr id="5" name="내용 개체 틀 4" descr="스크린샷이(가) 표시된 사진&#10;&#10;매우 높은 신뢰도로 생성된 설명">
-            <a:extLst>
-              <a:ext uri="{FF2B5EF4-FFF2-40B4-BE49-F238E27FC236}">
-                <a16:creationId xmlns:a16="http://schemas.microsoft.com/office/drawing/2014/main" id="{AF7C40CA-7422-42B6-BF86-ED56904DB42B}"/>
+          <p:cNvPr id="9" name="내용 개체 틀 8" descr="스크린샷이(가) 표시된 사진&#10;&#10;매우 높은 신뢰도로 생성된 설명">
+            <a:extLst>
+              <a:ext uri="{FF2B5EF4-FFF2-40B4-BE49-F238E27FC236}">
+                <a16:creationId xmlns:a16="http://schemas.microsoft.com/office/drawing/2014/main" id="{A2DE3198-B3FF-4466-9F20-6F51C20FDDBE}"/>
               </a:ext>
             </a:extLst>
           </p:cNvPr>
@@ -3525,7 +3530,7 @@
             </a:br>
             <a:r>
               <a:rPr lang="en-US" altLang="ko-KR" dirty="0"/>
-              <a:t>After 2006</a:t>
+              <a:t>After 2006 - 2</a:t>
             </a:r>
             <a:endParaRPr lang="ko-KR" altLang="en-US" dirty="0"/>
           </a:p>
@@ -3533,10 +3538,10 @@
       </p:sp>
       <p:pic>
         <p:nvPicPr>
-          <p:cNvPr id="4" name="내용 개체 틀 3">
-            <a:extLst>
-              <a:ext uri="{FF2B5EF4-FFF2-40B4-BE49-F238E27FC236}">
-                <a16:creationId xmlns:a16="http://schemas.microsoft.com/office/drawing/2014/main" id="{A1B9F1DF-65CA-4D07-8FF9-8A01C80B7505}"/>
+          <p:cNvPr id="7" name="내용 개체 틀 6" descr="스크린샷이(가) 표시된 사진&#10;&#10;매우 높은 신뢰도로 생성된 설명">
+            <a:extLst>
+              <a:ext uri="{FF2B5EF4-FFF2-40B4-BE49-F238E27FC236}">
+                <a16:creationId xmlns:a16="http://schemas.microsoft.com/office/drawing/2014/main" id="{44DE2891-DC53-4352-BA36-A2E2DE64C6A1}"/>
               </a:ext>
             </a:extLst>
           </p:cNvPr>
@@ -3548,19 +3553,22 @@
           </p:nvPr>
         </p:nvPicPr>
         <p:blipFill>
-          <a:blip r:embed="rId2"/>
+          <a:blip r:embed="rId2">
+            <a:extLst>
+              <a:ext uri="{28A0092B-C50C-407E-A947-70E740481C1C}">
+                <a14:useLocalDpi xmlns:a14="http://schemas.microsoft.com/office/drawing/2010/main" val="0"/>
+              </a:ext>
+            </a:extLst>
+          </a:blip>
           <a:stretch>
             <a:fillRect/>
           </a:stretch>
         </p:blipFill>
         <p:spPr>
           <a:xfrm>
-            <a:off x="3040492" y="1825625"/>
-            <a:ext cx="6111016" cy="4351338"/>
+            <a:off x="3671887" y="2282031"/>
+            <a:ext cx="4848225" cy="3438525"/>
           </a:xfrm>
-          <a:prstGeom prst="rect">
-            <a:avLst/>
-          </a:prstGeom>
         </p:spPr>
       </p:pic>
     </p:spTree>
@@ -3631,10 +3639,10 @@
       </p:sp>
       <p:pic>
         <p:nvPicPr>
-          <p:cNvPr id="5" name="내용 개체 틀 4" descr="스크린샷이(가) 표시된 사진&#10;&#10;매우 높은 신뢰도로 생성된 설명">
-            <a:extLst>
-              <a:ext uri="{FF2B5EF4-FFF2-40B4-BE49-F238E27FC236}">
-                <a16:creationId xmlns:a16="http://schemas.microsoft.com/office/drawing/2014/main" id="{86E3D326-0AD0-40AB-8561-7532D648E270}"/>
+          <p:cNvPr id="7" name="내용 개체 틀 6" descr="스크린샷이(가) 표시된 사진&#10;&#10;매우 높은 신뢰도로 생성된 설명">
+            <a:extLst>
+              <a:ext uri="{FF2B5EF4-FFF2-40B4-BE49-F238E27FC236}">
+                <a16:creationId xmlns:a16="http://schemas.microsoft.com/office/drawing/2014/main" id="{F5ABBE86-CA73-4C02-B2E3-B22C5AE1A431}"/>
               </a:ext>
             </a:extLst>
           </p:cNvPr>
@@ -3732,10 +3740,10 @@
       </p:sp>
       <p:pic>
         <p:nvPicPr>
-          <p:cNvPr id="5" name="내용 개체 틀 4" descr="스크린샷이(가) 표시된 사진&#10;&#10;매우 높은 신뢰도로 생성된 설명">
-            <a:extLst>
-              <a:ext uri="{FF2B5EF4-FFF2-40B4-BE49-F238E27FC236}">
-                <a16:creationId xmlns:a16="http://schemas.microsoft.com/office/drawing/2014/main" id="{E207E5AE-3DF0-48E7-A4FD-76788EAA46F4}"/>
+          <p:cNvPr id="7" name="내용 개체 틀 6" descr="스크린샷이(가) 표시된 사진&#10;&#10;매우 높은 신뢰도로 생성된 설명">
+            <a:extLst>
+              <a:ext uri="{FF2B5EF4-FFF2-40B4-BE49-F238E27FC236}">
+                <a16:creationId xmlns:a16="http://schemas.microsoft.com/office/drawing/2014/main" id="{7F5D8669-C77E-4297-AEA3-99A05519600B}"/>
               </a:ext>
             </a:extLst>
           </p:cNvPr>
@@ -3811,7 +3819,12 @@
             <p:ph type="title"/>
           </p:nvPr>
         </p:nvSpPr>
-        <p:spPr/>
+        <p:spPr>
+          <a:xfrm>
+            <a:off x="838200" y="374002"/>
+            <a:ext cx="10515600" cy="1325563"/>
+          </a:xfrm>
+        </p:spPr>
         <p:txBody>
           <a:bodyPr/>
           <a:lstStyle/>
@@ -3933,68 +3946,37 @@
       </p:pic>
       <p:sp>
         <p:nvSpPr>
-          <p:cNvPr id="6" name="TextBox 5">
-            <a:extLst>
-              <a:ext uri="{FF2B5EF4-FFF2-40B4-BE49-F238E27FC236}">
-                <a16:creationId xmlns:a16="http://schemas.microsoft.com/office/drawing/2014/main" id="{AA9DDAB3-0A8B-42F7-B729-F0DF88CE8704}"/>
-              </a:ext>
-            </a:extLst>
-          </p:cNvPr>
-          <p:cNvSpPr txBox="1"/>
-          <p:nvPr/>
+          <p:cNvPr id="8" name="제목 1">
+            <a:extLst>
+              <a:ext uri="{FF2B5EF4-FFF2-40B4-BE49-F238E27FC236}">
+                <a16:creationId xmlns:a16="http://schemas.microsoft.com/office/drawing/2014/main" id="{DA7E8383-6A91-44F1-A98A-DF7B7EF5E9F1}"/>
+              </a:ext>
+            </a:extLst>
+          </p:cNvPr>
+          <p:cNvSpPr>
+            <a:spLocks noGrp="1"/>
+          </p:cNvSpPr>
+          <p:nvPr>
+            <p:ph type="title"/>
+          </p:nvPr>
         </p:nvSpPr>
         <p:spPr>
           <a:xfrm>
-            <a:off x="569167" y="261257"/>
-            <a:ext cx="2985369" cy="369332"/>
+            <a:off x="679851" y="297594"/>
+            <a:ext cx="10515600" cy="1325563"/>
           </a:xfrm>
-          <a:prstGeom prst="rect">
-            <a:avLst/>
-          </a:prstGeom>
-          <a:noFill/>
         </p:spPr>
         <p:txBody>
-          <a:bodyPr wrap="none" rtlCol="0">
-            <a:spAutoFit/>
-          </a:bodyPr>
+          <a:bodyPr/>
           <a:lstStyle/>
           <a:p>
             <a:r>
               <a:rPr lang="en-US" altLang="ko-KR" dirty="0"/>
               <a:t>Large Vehicles Commercial</a:t>
             </a:r>
-            <a:endParaRPr lang="ko-KR" altLang="en-US" dirty="0"/>
-          </a:p>
-        </p:txBody>
-      </p:sp>
-      <p:sp>
-        <p:nvSpPr>
-          <p:cNvPr id="7" name="TextBox 6">
-            <a:extLst>
-              <a:ext uri="{FF2B5EF4-FFF2-40B4-BE49-F238E27FC236}">
-                <a16:creationId xmlns:a16="http://schemas.microsoft.com/office/drawing/2014/main" id="{4E78ECDB-D980-4AE0-A403-7CADFD93BB2D}"/>
-              </a:ext>
-            </a:extLst>
-          </p:cNvPr>
-          <p:cNvSpPr txBox="1"/>
-          <p:nvPr/>
-        </p:nvSpPr>
-        <p:spPr>
-          <a:xfrm>
-            <a:off x="569167" y="931474"/>
-            <a:ext cx="1286891" cy="369332"/>
-          </a:xfrm>
-          <a:prstGeom prst="rect">
-            <a:avLst/>
-          </a:prstGeom>
-          <a:noFill/>
-        </p:spPr>
-        <p:txBody>
-          <a:bodyPr wrap="none" rtlCol="0">
-            <a:spAutoFit/>
-          </a:bodyPr>
-          <a:lstStyle/>
-          <a:p>
+            <a:br>
+              <a:rPr lang="en-US" altLang="ko-KR" dirty="0"/>
+            </a:br>
             <a:r>
               <a:rPr lang="en-US" altLang="ko-KR" dirty="0"/>
               <a:t>After 2006</a:t>

--- a/Lisence_Format.pptx
+++ b/Lisence_Format.pptx
@@ -266,7 +266,7 @@
           <a:p>
             <a:fld id="{D5443D08-28CA-4DEA-9375-DBB6EA27C38E}" type="datetimeFigureOut">
               <a:rPr lang="ko-KR" altLang="en-US" smtClean="0"/>
-              <a:t>2018-11-16</a:t>
+              <a:t>2018-11-19</a:t>
             </a:fld>
             <a:endParaRPr lang="ko-KR" altLang="en-US"/>
           </a:p>
@@ -464,7 +464,7 @@
           <a:p>
             <a:fld id="{D5443D08-28CA-4DEA-9375-DBB6EA27C38E}" type="datetimeFigureOut">
               <a:rPr lang="ko-KR" altLang="en-US" smtClean="0"/>
-              <a:t>2018-11-16</a:t>
+              <a:t>2018-11-19</a:t>
             </a:fld>
             <a:endParaRPr lang="ko-KR" altLang="en-US"/>
           </a:p>
@@ -672,7 +672,7 @@
           <a:p>
             <a:fld id="{D5443D08-28CA-4DEA-9375-DBB6EA27C38E}" type="datetimeFigureOut">
               <a:rPr lang="ko-KR" altLang="en-US" smtClean="0"/>
-              <a:t>2018-11-16</a:t>
+              <a:t>2018-11-19</a:t>
             </a:fld>
             <a:endParaRPr lang="ko-KR" altLang="en-US"/>
           </a:p>
@@ -870,7 +870,7 @@
           <a:p>
             <a:fld id="{D5443D08-28CA-4DEA-9375-DBB6EA27C38E}" type="datetimeFigureOut">
               <a:rPr lang="ko-KR" altLang="en-US" smtClean="0"/>
-              <a:t>2018-11-16</a:t>
+              <a:t>2018-11-19</a:t>
             </a:fld>
             <a:endParaRPr lang="ko-KR" altLang="en-US"/>
           </a:p>
@@ -1145,7 +1145,7 @@
           <a:p>
             <a:fld id="{D5443D08-28CA-4DEA-9375-DBB6EA27C38E}" type="datetimeFigureOut">
               <a:rPr lang="ko-KR" altLang="en-US" smtClean="0"/>
-              <a:t>2018-11-16</a:t>
+              <a:t>2018-11-19</a:t>
             </a:fld>
             <a:endParaRPr lang="ko-KR" altLang="en-US"/>
           </a:p>
@@ -1410,7 +1410,7 @@
           <a:p>
             <a:fld id="{D5443D08-28CA-4DEA-9375-DBB6EA27C38E}" type="datetimeFigureOut">
               <a:rPr lang="ko-KR" altLang="en-US" smtClean="0"/>
-              <a:t>2018-11-16</a:t>
+              <a:t>2018-11-19</a:t>
             </a:fld>
             <a:endParaRPr lang="ko-KR" altLang="en-US"/>
           </a:p>
@@ -1822,7 +1822,7 @@
           <a:p>
             <a:fld id="{D5443D08-28CA-4DEA-9375-DBB6EA27C38E}" type="datetimeFigureOut">
               <a:rPr lang="ko-KR" altLang="en-US" smtClean="0"/>
-              <a:t>2018-11-16</a:t>
+              <a:t>2018-11-19</a:t>
             </a:fld>
             <a:endParaRPr lang="ko-KR" altLang="en-US"/>
           </a:p>
@@ -1963,7 +1963,7 @@
           <a:p>
             <a:fld id="{D5443D08-28CA-4DEA-9375-DBB6EA27C38E}" type="datetimeFigureOut">
               <a:rPr lang="ko-KR" altLang="en-US" smtClean="0"/>
-              <a:t>2018-11-16</a:t>
+              <a:t>2018-11-19</a:t>
             </a:fld>
             <a:endParaRPr lang="ko-KR" altLang="en-US"/>
           </a:p>
@@ -2076,7 +2076,7 @@
           <a:p>
             <a:fld id="{D5443D08-28CA-4DEA-9375-DBB6EA27C38E}" type="datetimeFigureOut">
               <a:rPr lang="ko-KR" altLang="en-US" smtClean="0"/>
-              <a:t>2018-11-16</a:t>
+              <a:t>2018-11-19</a:t>
             </a:fld>
             <a:endParaRPr lang="ko-KR" altLang="en-US"/>
           </a:p>
@@ -2387,7 +2387,7 @@
           <a:p>
             <a:fld id="{D5443D08-28CA-4DEA-9375-DBB6EA27C38E}" type="datetimeFigureOut">
               <a:rPr lang="ko-KR" altLang="en-US" smtClean="0"/>
-              <a:t>2018-11-16</a:t>
+              <a:t>2018-11-19</a:t>
             </a:fld>
             <a:endParaRPr lang="ko-KR" altLang="en-US"/>
           </a:p>
@@ -2675,7 +2675,7 @@
           <a:p>
             <a:fld id="{D5443D08-28CA-4DEA-9375-DBB6EA27C38E}" type="datetimeFigureOut">
               <a:rPr lang="ko-KR" altLang="en-US" smtClean="0"/>
-              <a:t>2018-11-16</a:t>
+              <a:t>2018-11-19</a:t>
             </a:fld>
             <a:endParaRPr lang="ko-KR" altLang="en-US"/>
           </a:p>
@@ -2916,7 +2916,7 @@
           <a:p>
             <a:fld id="{D5443D08-28CA-4DEA-9375-DBB6EA27C38E}" type="datetimeFigureOut">
               <a:rPr lang="ko-KR" altLang="en-US" smtClean="0"/>
-              <a:t>2018-11-16</a:t>
+              <a:t>2018-11-19</a:t>
             </a:fld>
             <a:endParaRPr lang="ko-KR" altLang="en-US"/>
           </a:p>
@@ -3667,7 +3667,7 @@
         </p:blipFill>
         <p:spPr>
           <a:xfrm>
-            <a:off x="3017154" y="1825625"/>
+            <a:off x="3081448" y="1799431"/>
             <a:ext cx="6157691" cy="4351338"/>
           </a:xfrm>
         </p:spPr>
